--- a/ppt 16-9/0669.主使我喜乐.pptx
+++ b/ppt 16-9/0669.主使我喜乐.pptx
@@ -129,7 +129,7 @@
           <p:cNvPr id="2" name="标题 1">
             <a:extLst>
               <a:ext uri="{FF2B5EF4-FFF2-40B4-BE49-F238E27FC236}">
-                <a16:creationId xmlns:a16="http://schemas.microsoft.com/office/drawing/2014/main" id="{4C37A572-9D57-6BBF-507E-8367F3CF00B7}"/>
+                <a16:creationId xmlns:a16="http://schemas.microsoft.com/office/drawing/2014/main" id="{628C2D79-5FB5-1147-58A3-F13D3BEC5E59}"/>
               </a:ext>
             </a:extLst>
           </p:cNvPr>
@@ -166,7 +166,7 @@
           <p:cNvPr id="3" name="副标题 2">
             <a:extLst>
               <a:ext uri="{FF2B5EF4-FFF2-40B4-BE49-F238E27FC236}">
-                <a16:creationId xmlns:a16="http://schemas.microsoft.com/office/drawing/2014/main" id="{4656030D-C259-FD5F-7969-D558E83364BF}"/>
+                <a16:creationId xmlns:a16="http://schemas.microsoft.com/office/drawing/2014/main" id="{68DDF3D8-0E85-18B1-E5EC-7618F5776539}"/>
               </a:ext>
             </a:extLst>
           </p:cNvPr>
@@ -236,7 +236,7 @@
           <p:cNvPr id="4" name="日期占位符 3">
             <a:extLst>
               <a:ext uri="{FF2B5EF4-FFF2-40B4-BE49-F238E27FC236}">
-                <a16:creationId xmlns:a16="http://schemas.microsoft.com/office/drawing/2014/main" id="{7E65E5A9-8AF5-DBA0-77AB-B32BE2E7BB32}"/>
+                <a16:creationId xmlns:a16="http://schemas.microsoft.com/office/drawing/2014/main" id="{6CBC2C97-C0E8-80E8-4B66-AEF541078DC1}"/>
               </a:ext>
             </a:extLst>
           </p:cNvPr>
@@ -252,7 +252,7 @@
           <a:bodyPr/>
           <a:lstStyle/>
           <a:p>
-            <a:fld id="{AD1FCC52-C8D2-416E-A9AE-9C6F7BCD8A9E}" type="datetimeFigureOut">
+            <a:fld id="{332E3442-0E64-40BD-A37D-B14966DB6F89}" type="datetimeFigureOut">
               <a:rPr lang="zh-CN" altLang="en-US" smtClean="0"/>
               <a:t>2024/3/10</a:t>
             </a:fld>
@@ -265,7 +265,7 @@
           <p:cNvPr id="5" name="页脚占位符 4">
             <a:extLst>
               <a:ext uri="{FF2B5EF4-FFF2-40B4-BE49-F238E27FC236}">
-                <a16:creationId xmlns:a16="http://schemas.microsoft.com/office/drawing/2014/main" id="{A6935E2A-19EE-A472-AC3E-73CF0053937D}"/>
+                <a16:creationId xmlns:a16="http://schemas.microsoft.com/office/drawing/2014/main" id="{6A97517E-A17A-E4A7-240C-022D85D683ED}"/>
               </a:ext>
             </a:extLst>
           </p:cNvPr>
@@ -290,7 +290,7 @@
           <p:cNvPr id="6" name="灯片编号占位符 5">
             <a:extLst>
               <a:ext uri="{FF2B5EF4-FFF2-40B4-BE49-F238E27FC236}">
-                <a16:creationId xmlns:a16="http://schemas.microsoft.com/office/drawing/2014/main" id="{FF2490C2-B524-394E-E225-F857510EEF9D}"/>
+                <a16:creationId xmlns:a16="http://schemas.microsoft.com/office/drawing/2014/main" id="{EB27DC1F-E652-B178-DD8E-EAA44E66B221}"/>
               </a:ext>
             </a:extLst>
           </p:cNvPr>
@@ -306,7 +306,7 @@
           <a:bodyPr/>
           <a:lstStyle/>
           <a:p>
-            <a:fld id="{D2BD6611-0006-4B81-8DC6-416DA8E1FC54}" type="slidenum">
+            <a:fld id="{044636B6-305D-4CA5-9A37-9B7808AA0493}" type="slidenum">
               <a:rPr lang="zh-CN" altLang="en-US" smtClean="0"/>
               <a:t>‹#›</a:t>
             </a:fld>
@@ -317,7 +317,7 @@
     </p:spTree>
     <p:extLst>
       <p:ext uri="{BB962C8B-B14F-4D97-AF65-F5344CB8AC3E}">
-        <p14:creationId xmlns:p14="http://schemas.microsoft.com/office/powerpoint/2010/main" val="1357773490"/>
+        <p14:creationId xmlns:p14="http://schemas.microsoft.com/office/powerpoint/2010/main" val="3722223131"/>
       </p:ext>
     </p:extLst>
   </p:cSld>
@@ -349,7 +349,7 @@
           <p:cNvPr id="2" name="标题 1">
             <a:extLst>
               <a:ext uri="{FF2B5EF4-FFF2-40B4-BE49-F238E27FC236}">
-                <a16:creationId xmlns:a16="http://schemas.microsoft.com/office/drawing/2014/main" id="{975A45C7-7559-C719-2D57-5F8A3554D1AA}"/>
+                <a16:creationId xmlns:a16="http://schemas.microsoft.com/office/drawing/2014/main" id="{055318D7-D27E-504E-4336-51759C158780}"/>
               </a:ext>
             </a:extLst>
           </p:cNvPr>
@@ -377,7 +377,7 @@
           <p:cNvPr id="3" name="竖排文字占位符 2">
             <a:extLst>
               <a:ext uri="{FF2B5EF4-FFF2-40B4-BE49-F238E27FC236}">
-                <a16:creationId xmlns:a16="http://schemas.microsoft.com/office/drawing/2014/main" id="{00C95B07-5BB5-03DC-536B-6733E3D76A58}"/>
+                <a16:creationId xmlns:a16="http://schemas.microsoft.com/office/drawing/2014/main" id="{9FE3E818-BC17-754A-525A-C3D28033BB3A}"/>
               </a:ext>
             </a:extLst>
           </p:cNvPr>
@@ -434,7 +434,7 @@
           <p:cNvPr id="4" name="日期占位符 3">
             <a:extLst>
               <a:ext uri="{FF2B5EF4-FFF2-40B4-BE49-F238E27FC236}">
-                <a16:creationId xmlns:a16="http://schemas.microsoft.com/office/drawing/2014/main" id="{766B35D8-7767-A301-7DFA-F4384271F344}"/>
+                <a16:creationId xmlns:a16="http://schemas.microsoft.com/office/drawing/2014/main" id="{D68A675C-AB57-A60D-F561-D4DB82FAFF61}"/>
               </a:ext>
             </a:extLst>
           </p:cNvPr>
@@ -450,7 +450,7 @@
           <a:bodyPr/>
           <a:lstStyle/>
           <a:p>
-            <a:fld id="{AD1FCC52-C8D2-416E-A9AE-9C6F7BCD8A9E}" type="datetimeFigureOut">
+            <a:fld id="{332E3442-0E64-40BD-A37D-B14966DB6F89}" type="datetimeFigureOut">
               <a:rPr lang="zh-CN" altLang="en-US" smtClean="0"/>
               <a:t>2024/3/10</a:t>
             </a:fld>
@@ -463,7 +463,7 @@
           <p:cNvPr id="5" name="页脚占位符 4">
             <a:extLst>
               <a:ext uri="{FF2B5EF4-FFF2-40B4-BE49-F238E27FC236}">
-                <a16:creationId xmlns:a16="http://schemas.microsoft.com/office/drawing/2014/main" id="{C10135F6-BD40-3635-4777-D341E446C12A}"/>
+                <a16:creationId xmlns:a16="http://schemas.microsoft.com/office/drawing/2014/main" id="{252146CB-4369-5F73-C4B0-BE7A2486DFC4}"/>
               </a:ext>
             </a:extLst>
           </p:cNvPr>
@@ -488,7 +488,7 @@
           <p:cNvPr id="6" name="灯片编号占位符 5">
             <a:extLst>
               <a:ext uri="{FF2B5EF4-FFF2-40B4-BE49-F238E27FC236}">
-                <a16:creationId xmlns:a16="http://schemas.microsoft.com/office/drawing/2014/main" id="{41BED9E8-1B90-C8B7-9FCF-B2F8C6521659}"/>
+                <a16:creationId xmlns:a16="http://schemas.microsoft.com/office/drawing/2014/main" id="{6E5D85A6-0B72-D4E4-6F7B-E84311300024}"/>
               </a:ext>
             </a:extLst>
           </p:cNvPr>
@@ -504,7 +504,7 @@
           <a:bodyPr/>
           <a:lstStyle/>
           <a:p>
-            <a:fld id="{D2BD6611-0006-4B81-8DC6-416DA8E1FC54}" type="slidenum">
+            <a:fld id="{044636B6-305D-4CA5-9A37-9B7808AA0493}" type="slidenum">
               <a:rPr lang="zh-CN" altLang="en-US" smtClean="0"/>
               <a:t>‹#›</a:t>
             </a:fld>
@@ -515,7 +515,7 @@
     </p:spTree>
     <p:extLst>
       <p:ext uri="{BB962C8B-B14F-4D97-AF65-F5344CB8AC3E}">
-        <p14:creationId xmlns:p14="http://schemas.microsoft.com/office/powerpoint/2010/main" val="2633566524"/>
+        <p14:creationId xmlns:p14="http://schemas.microsoft.com/office/powerpoint/2010/main" val="692510855"/>
       </p:ext>
     </p:extLst>
   </p:cSld>
@@ -547,7 +547,7 @@
           <p:cNvPr id="2" name="竖排标题 1">
             <a:extLst>
               <a:ext uri="{FF2B5EF4-FFF2-40B4-BE49-F238E27FC236}">
-                <a16:creationId xmlns:a16="http://schemas.microsoft.com/office/drawing/2014/main" id="{7B880BC4-2649-4D11-35EB-4A85A9504B2F}"/>
+                <a16:creationId xmlns:a16="http://schemas.microsoft.com/office/drawing/2014/main" id="{5DDE9F18-5EE7-3E60-CCE3-2CC74CD5DC96}"/>
               </a:ext>
             </a:extLst>
           </p:cNvPr>
@@ -580,7 +580,7 @@
           <p:cNvPr id="3" name="竖排文字占位符 2">
             <a:extLst>
               <a:ext uri="{FF2B5EF4-FFF2-40B4-BE49-F238E27FC236}">
-                <a16:creationId xmlns:a16="http://schemas.microsoft.com/office/drawing/2014/main" id="{7D6FCEB1-8A3D-F0AF-42C7-49D8D775A7CC}"/>
+                <a16:creationId xmlns:a16="http://schemas.microsoft.com/office/drawing/2014/main" id="{78F00E54-3908-F583-9AB1-065DC89DA64E}"/>
               </a:ext>
             </a:extLst>
           </p:cNvPr>
@@ -642,7 +642,7 @@
           <p:cNvPr id="4" name="日期占位符 3">
             <a:extLst>
               <a:ext uri="{FF2B5EF4-FFF2-40B4-BE49-F238E27FC236}">
-                <a16:creationId xmlns:a16="http://schemas.microsoft.com/office/drawing/2014/main" id="{B6726FAB-2893-6299-4848-4EC1432B7575}"/>
+                <a16:creationId xmlns:a16="http://schemas.microsoft.com/office/drawing/2014/main" id="{80AF6EB7-2147-5392-2FD0-51DDC144712D}"/>
               </a:ext>
             </a:extLst>
           </p:cNvPr>
@@ -658,7 +658,7 @@
           <a:bodyPr/>
           <a:lstStyle/>
           <a:p>
-            <a:fld id="{AD1FCC52-C8D2-416E-A9AE-9C6F7BCD8A9E}" type="datetimeFigureOut">
+            <a:fld id="{332E3442-0E64-40BD-A37D-B14966DB6F89}" type="datetimeFigureOut">
               <a:rPr lang="zh-CN" altLang="en-US" smtClean="0"/>
               <a:t>2024/3/10</a:t>
             </a:fld>
@@ -671,7 +671,7 @@
           <p:cNvPr id="5" name="页脚占位符 4">
             <a:extLst>
               <a:ext uri="{FF2B5EF4-FFF2-40B4-BE49-F238E27FC236}">
-                <a16:creationId xmlns:a16="http://schemas.microsoft.com/office/drawing/2014/main" id="{DD504111-F275-D917-357E-B05DCBB23840}"/>
+                <a16:creationId xmlns:a16="http://schemas.microsoft.com/office/drawing/2014/main" id="{A3F6DBAF-BA5F-2121-4145-B625854571D3}"/>
               </a:ext>
             </a:extLst>
           </p:cNvPr>
@@ -696,7 +696,7 @@
           <p:cNvPr id="6" name="灯片编号占位符 5">
             <a:extLst>
               <a:ext uri="{FF2B5EF4-FFF2-40B4-BE49-F238E27FC236}">
-                <a16:creationId xmlns:a16="http://schemas.microsoft.com/office/drawing/2014/main" id="{19390352-FD4E-2304-8617-11667B5ED595}"/>
+                <a16:creationId xmlns:a16="http://schemas.microsoft.com/office/drawing/2014/main" id="{46860C84-B8A3-766E-5B0D-F7F47F47635F}"/>
               </a:ext>
             </a:extLst>
           </p:cNvPr>
@@ -712,7 +712,7 @@
           <a:bodyPr/>
           <a:lstStyle/>
           <a:p>
-            <a:fld id="{D2BD6611-0006-4B81-8DC6-416DA8E1FC54}" type="slidenum">
+            <a:fld id="{044636B6-305D-4CA5-9A37-9B7808AA0493}" type="slidenum">
               <a:rPr lang="zh-CN" altLang="en-US" smtClean="0"/>
               <a:t>‹#›</a:t>
             </a:fld>
@@ -723,7 +723,7 @@
     </p:spTree>
     <p:extLst>
       <p:ext uri="{BB962C8B-B14F-4D97-AF65-F5344CB8AC3E}">
-        <p14:creationId xmlns:p14="http://schemas.microsoft.com/office/powerpoint/2010/main" val="17717739"/>
+        <p14:creationId xmlns:p14="http://schemas.microsoft.com/office/powerpoint/2010/main" val="2589618086"/>
       </p:ext>
     </p:extLst>
   </p:cSld>
@@ -755,7 +755,7 @@
           <p:cNvPr id="2" name="标题 1">
             <a:extLst>
               <a:ext uri="{FF2B5EF4-FFF2-40B4-BE49-F238E27FC236}">
-                <a16:creationId xmlns:a16="http://schemas.microsoft.com/office/drawing/2014/main" id="{DE7B3DF5-83F1-1784-FADC-C71F26A587F6}"/>
+                <a16:creationId xmlns:a16="http://schemas.microsoft.com/office/drawing/2014/main" id="{8ED3D708-5FD3-EF17-8D08-342DDC1EDCDA}"/>
               </a:ext>
             </a:extLst>
           </p:cNvPr>
@@ -783,7 +783,7 @@
           <p:cNvPr id="3" name="内容占位符 2">
             <a:extLst>
               <a:ext uri="{FF2B5EF4-FFF2-40B4-BE49-F238E27FC236}">
-                <a16:creationId xmlns:a16="http://schemas.microsoft.com/office/drawing/2014/main" id="{098B33C1-8332-02BE-D221-D759F0EE1D8D}"/>
+                <a16:creationId xmlns:a16="http://schemas.microsoft.com/office/drawing/2014/main" id="{3D98A9EB-CA4D-9A6C-5C14-09270F20C69E}"/>
               </a:ext>
             </a:extLst>
           </p:cNvPr>
@@ -840,7 +840,7 @@
           <p:cNvPr id="4" name="日期占位符 3">
             <a:extLst>
               <a:ext uri="{FF2B5EF4-FFF2-40B4-BE49-F238E27FC236}">
-                <a16:creationId xmlns:a16="http://schemas.microsoft.com/office/drawing/2014/main" id="{8A27C8E3-EC27-BCBC-0ADB-EBB68AA8A958}"/>
+                <a16:creationId xmlns:a16="http://schemas.microsoft.com/office/drawing/2014/main" id="{3F84EC27-7DF7-CE86-8F00-E858B136082A}"/>
               </a:ext>
             </a:extLst>
           </p:cNvPr>
@@ -856,7 +856,7 @@
           <a:bodyPr/>
           <a:lstStyle/>
           <a:p>
-            <a:fld id="{AD1FCC52-C8D2-416E-A9AE-9C6F7BCD8A9E}" type="datetimeFigureOut">
+            <a:fld id="{332E3442-0E64-40BD-A37D-B14966DB6F89}" type="datetimeFigureOut">
               <a:rPr lang="zh-CN" altLang="en-US" smtClean="0"/>
               <a:t>2024/3/10</a:t>
             </a:fld>
@@ -869,7 +869,7 @@
           <p:cNvPr id="5" name="页脚占位符 4">
             <a:extLst>
               <a:ext uri="{FF2B5EF4-FFF2-40B4-BE49-F238E27FC236}">
-                <a16:creationId xmlns:a16="http://schemas.microsoft.com/office/drawing/2014/main" id="{66B7EA40-AF6F-A38B-EE48-825C6A9240CD}"/>
+                <a16:creationId xmlns:a16="http://schemas.microsoft.com/office/drawing/2014/main" id="{3D68D193-B172-A33C-7C19-2D41E9409070}"/>
               </a:ext>
             </a:extLst>
           </p:cNvPr>
@@ -894,7 +894,7 @@
           <p:cNvPr id="6" name="灯片编号占位符 5">
             <a:extLst>
               <a:ext uri="{FF2B5EF4-FFF2-40B4-BE49-F238E27FC236}">
-                <a16:creationId xmlns:a16="http://schemas.microsoft.com/office/drawing/2014/main" id="{95484391-B7C7-946C-1163-E7C9AA70CA34}"/>
+                <a16:creationId xmlns:a16="http://schemas.microsoft.com/office/drawing/2014/main" id="{A56FFFBD-330B-7FC6-2FA6-54AA8A823AC4}"/>
               </a:ext>
             </a:extLst>
           </p:cNvPr>
@@ -910,7 +910,7 @@
           <a:bodyPr/>
           <a:lstStyle/>
           <a:p>
-            <a:fld id="{D2BD6611-0006-4B81-8DC6-416DA8E1FC54}" type="slidenum">
+            <a:fld id="{044636B6-305D-4CA5-9A37-9B7808AA0493}" type="slidenum">
               <a:rPr lang="zh-CN" altLang="en-US" smtClean="0"/>
               <a:t>‹#›</a:t>
             </a:fld>
@@ -921,7 +921,7 @@
     </p:spTree>
     <p:extLst>
       <p:ext uri="{BB962C8B-B14F-4D97-AF65-F5344CB8AC3E}">
-        <p14:creationId xmlns:p14="http://schemas.microsoft.com/office/powerpoint/2010/main" val="726630982"/>
+        <p14:creationId xmlns:p14="http://schemas.microsoft.com/office/powerpoint/2010/main" val="1092775812"/>
       </p:ext>
     </p:extLst>
   </p:cSld>
@@ -953,7 +953,7 @@
           <p:cNvPr id="2" name="标题 1">
             <a:extLst>
               <a:ext uri="{FF2B5EF4-FFF2-40B4-BE49-F238E27FC236}">
-                <a16:creationId xmlns:a16="http://schemas.microsoft.com/office/drawing/2014/main" id="{6AAA1863-B6C9-2494-BD56-01E0088642F2}"/>
+                <a16:creationId xmlns:a16="http://schemas.microsoft.com/office/drawing/2014/main" id="{8FAE6839-75FB-9586-A4CA-2D9E61967B52}"/>
               </a:ext>
             </a:extLst>
           </p:cNvPr>
@@ -990,7 +990,7 @@
           <p:cNvPr id="3" name="文本占位符 2">
             <a:extLst>
               <a:ext uri="{FF2B5EF4-FFF2-40B4-BE49-F238E27FC236}">
-                <a16:creationId xmlns:a16="http://schemas.microsoft.com/office/drawing/2014/main" id="{95284214-1F95-3B44-8DED-5B28C7771854}"/>
+                <a16:creationId xmlns:a16="http://schemas.microsoft.com/office/drawing/2014/main" id="{37F85496-CF1C-F249-0B74-2EA865A47579}"/>
               </a:ext>
             </a:extLst>
           </p:cNvPr>
@@ -1115,7 +1115,7 @@
           <p:cNvPr id="4" name="日期占位符 3">
             <a:extLst>
               <a:ext uri="{FF2B5EF4-FFF2-40B4-BE49-F238E27FC236}">
-                <a16:creationId xmlns:a16="http://schemas.microsoft.com/office/drawing/2014/main" id="{3EE35A14-04E2-791B-E51B-D66270CBE83C}"/>
+                <a16:creationId xmlns:a16="http://schemas.microsoft.com/office/drawing/2014/main" id="{411D1DDD-6A31-BC17-2F7C-C0D356BB9130}"/>
               </a:ext>
             </a:extLst>
           </p:cNvPr>
@@ -1131,7 +1131,7 @@
           <a:bodyPr/>
           <a:lstStyle/>
           <a:p>
-            <a:fld id="{AD1FCC52-C8D2-416E-A9AE-9C6F7BCD8A9E}" type="datetimeFigureOut">
+            <a:fld id="{332E3442-0E64-40BD-A37D-B14966DB6F89}" type="datetimeFigureOut">
               <a:rPr lang="zh-CN" altLang="en-US" smtClean="0"/>
               <a:t>2024/3/10</a:t>
             </a:fld>
@@ -1144,7 +1144,7 @@
           <p:cNvPr id="5" name="页脚占位符 4">
             <a:extLst>
               <a:ext uri="{FF2B5EF4-FFF2-40B4-BE49-F238E27FC236}">
-                <a16:creationId xmlns:a16="http://schemas.microsoft.com/office/drawing/2014/main" id="{41533D02-8EA2-A484-EF85-60D7938EC353}"/>
+                <a16:creationId xmlns:a16="http://schemas.microsoft.com/office/drawing/2014/main" id="{442775E2-1398-5445-0C85-D3760F0D8A15}"/>
               </a:ext>
             </a:extLst>
           </p:cNvPr>
@@ -1169,7 +1169,7 @@
           <p:cNvPr id="6" name="灯片编号占位符 5">
             <a:extLst>
               <a:ext uri="{FF2B5EF4-FFF2-40B4-BE49-F238E27FC236}">
-                <a16:creationId xmlns:a16="http://schemas.microsoft.com/office/drawing/2014/main" id="{897E0A9F-861D-96E5-C9AA-EFE62E9CE266}"/>
+                <a16:creationId xmlns:a16="http://schemas.microsoft.com/office/drawing/2014/main" id="{811B1BE1-7ADC-38D1-6FC1-1EACA7687F1E}"/>
               </a:ext>
             </a:extLst>
           </p:cNvPr>
@@ -1185,7 +1185,7 @@
           <a:bodyPr/>
           <a:lstStyle/>
           <a:p>
-            <a:fld id="{D2BD6611-0006-4B81-8DC6-416DA8E1FC54}" type="slidenum">
+            <a:fld id="{044636B6-305D-4CA5-9A37-9B7808AA0493}" type="slidenum">
               <a:rPr lang="zh-CN" altLang="en-US" smtClean="0"/>
               <a:t>‹#›</a:t>
             </a:fld>
@@ -1196,7 +1196,7 @@
     </p:spTree>
     <p:extLst>
       <p:ext uri="{BB962C8B-B14F-4D97-AF65-F5344CB8AC3E}">
-        <p14:creationId xmlns:p14="http://schemas.microsoft.com/office/powerpoint/2010/main" val="1635916013"/>
+        <p14:creationId xmlns:p14="http://schemas.microsoft.com/office/powerpoint/2010/main" val="2890083355"/>
       </p:ext>
     </p:extLst>
   </p:cSld>
@@ -1228,7 +1228,7 @@
           <p:cNvPr id="2" name="标题 1">
             <a:extLst>
               <a:ext uri="{FF2B5EF4-FFF2-40B4-BE49-F238E27FC236}">
-                <a16:creationId xmlns:a16="http://schemas.microsoft.com/office/drawing/2014/main" id="{AD7E65FE-2DB5-6813-9C5C-59E50E4168D9}"/>
+                <a16:creationId xmlns:a16="http://schemas.microsoft.com/office/drawing/2014/main" id="{50194882-9324-046E-653B-9E3B7660212A}"/>
               </a:ext>
             </a:extLst>
           </p:cNvPr>
@@ -1256,7 +1256,7 @@
           <p:cNvPr id="3" name="内容占位符 2">
             <a:extLst>
               <a:ext uri="{FF2B5EF4-FFF2-40B4-BE49-F238E27FC236}">
-                <a16:creationId xmlns:a16="http://schemas.microsoft.com/office/drawing/2014/main" id="{936DA509-4914-B474-EDD4-AE4D4E3BF7C1}"/>
+                <a16:creationId xmlns:a16="http://schemas.microsoft.com/office/drawing/2014/main" id="{5342E216-84F9-2C30-6B58-64965FBB8E5B}"/>
               </a:ext>
             </a:extLst>
           </p:cNvPr>
@@ -1318,7 +1318,7 @@
           <p:cNvPr id="4" name="内容占位符 3">
             <a:extLst>
               <a:ext uri="{FF2B5EF4-FFF2-40B4-BE49-F238E27FC236}">
-                <a16:creationId xmlns:a16="http://schemas.microsoft.com/office/drawing/2014/main" id="{5434F32A-3813-2806-5784-F99E65078D40}"/>
+                <a16:creationId xmlns:a16="http://schemas.microsoft.com/office/drawing/2014/main" id="{B29E91B7-D0E1-17D7-E458-4EE3A7AE1B8C}"/>
               </a:ext>
             </a:extLst>
           </p:cNvPr>
@@ -1380,7 +1380,7 @@
           <p:cNvPr id="5" name="日期占位符 4">
             <a:extLst>
               <a:ext uri="{FF2B5EF4-FFF2-40B4-BE49-F238E27FC236}">
-                <a16:creationId xmlns:a16="http://schemas.microsoft.com/office/drawing/2014/main" id="{0143E4ED-D534-2338-6A28-E9AE0C335526}"/>
+                <a16:creationId xmlns:a16="http://schemas.microsoft.com/office/drawing/2014/main" id="{4A7585B8-81E5-EF45-8010-65CECF190E70}"/>
               </a:ext>
             </a:extLst>
           </p:cNvPr>
@@ -1396,7 +1396,7 @@
           <a:bodyPr/>
           <a:lstStyle/>
           <a:p>
-            <a:fld id="{AD1FCC52-C8D2-416E-A9AE-9C6F7BCD8A9E}" type="datetimeFigureOut">
+            <a:fld id="{332E3442-0E64-40BD-A37D-B14966DB6F89}" type="datetimeFigureOut">
               <a:rPr lang="zh-CN" altLang="en-US" smtClean="0"/>
               <a:t>2024/3/10</a:t>
             </a:fld>
@@ -1409,7 +1409,7 @@
           <p:cNvPr id="6" name="页脚占位符 5">
             <a:extLst>
               <a:ext uri="{FF2B5EF4-FFF2-40B4-BE49-F238E27FC236}">
-                <a16:creationId xmlns:a16="http://schemas.microsoft.com/office/drawing/2014/main" id="{54AA0079-931A-84E8-949D-FCF9D6BF3940}"/>
+                <a16:creationId xmlns:a16="http://schemas.microsoft.com/office/drawing/2014/main" id="{A3F01041-A21A-0EAF-921F-27B45CA19074}"/>
               </a:ext>
             </a:extLst>
           </p:cNvPr>
@@ -1434,7 +1434,7 @@
           <p:cNvPr id="7" name="灯片编号占位符 6">
             <a:extLst>
               <a:ext uri="{FF2B5EF4-FFF2-40B4-BE49-F238E27FC236}">
-                <a16:creationId xmlns:a16="http://schemas.microsoft.com/office/drawing/2014/main" id="{4BCB0A05-BDEC-6F93-6A12-CC27003048A0}"/>
+                <a16:creationId xmlns:a16="http://schemas.microsoft.com/office/drawing/2014/main" id="{6C7A69A0-7B34-3335-C76E-5D2B5FBC9A9F}"/>
               </a:ext>
             </a:extLst>
           </p:cNvPr>
@@ -1450,7 +1450,7 @@
           <a:bodyPr/>
           <a:lstStyle/>
           <a:p>
-            <a:fld id="{D2BD6611-0006-4B81-8DC6-416DA8E1FC54}" type="slidenum">
+            <a:fld id="{044636B6-305D-4CA5-9A37-9B7808AA0493}" type="slidenum">
               <a:rPr lang="zh-CN" altLang="en-US" smtClean="0"/>
               <a:t>‹#›</a:t>
             </a:fld>
@@ -1461,7 +1461,7 @@
     </p:spTree>
     <p:extLst>
       <p:ext uri="{BB962C8B-B14F-4D97-AF65-F5344CB8AC3E}">
-        <p14:creationId xmlns:p14="http://schemas.microsoft.com/office/powerpoint/2010/main" val="2002957732"/>
+        <p14:creationId xmlns:p14="http://schemas.microsoft.com/office/powerpoint/2010/main" val="174256639"/>
       </p:ext>
     </p:extLst>
   </p:cSld>
@@ -1493,7 +1493,7 @@
           <p:cNvPr id="2" name="标题 1">
             <a:extLst>
               <a:ext uri="{FF2B5EF4-FFF2-40B4-BE49-F238E27FC236}">
-                <a16:creationId xmlns:a16="http://schemas.microsoft.com/office/drawing/2014/main" id="{A70F0AFF-685E-7766-2AA9-A204B11A0264}"/>
+                <a16:creationId xmlns:a16="http://schemas.microsoft.com/office/drawing/2014/main" id="{55F56C2C-1852-FE79-DB5D-218094BF2175}"/>
               </a:ext>
             </a:extLst>
           </p:cNvPr>
@@ -1526,7 +1526,7 @@
           <p:cNvPr id="3" name="文本占位符 2">
             <a:extLst>
               <a:ext uri="{FF2B5EF4-FFF2-40B4-BE49-F238E27FC236}">
-                <a16:creationId xmlns:a16="http://schemas.microsoft.com/office/drawing/2014/main" id="{F9E32D8F-D697-BCFB-08D6-D98B5C16E897}"/>
+                <a16:creationId xmlns:a16="http://schemas.microsoft.com/office/drawing/2014/main" id="{9E9A0A3F-1144-5055-FC0F-34C6A90600BC}"/>
               </a:ext>
             </a:extLst>
           </p:cNvPr>
@@ -1597,7 +1597,7 @@
           <p:cNvPr id="4" name="内容占位符 3">
             <a:extLst>
               <a:ext uri="{FF2B5EF4-FFF2-40B4-BE49-F238E27FC236}">
-                <a16:creationId xmlns:a16="http://schemas.microsoft.com/office/drawing/2014/main" id="{73302598-BA7E-094A-8D15-914F9142460A}"/>
+                <a16:creationId xmlns:a16="http://schemas.microsoft.com/office/drawing/2014/main" id="{EB191621-7855-F095-2976-877A6452B812}"/>
               </a:ext>
             </a:extLst>
           </p:cNvPr>
@@ -1659,7 +1659,7 @@
           <p:cNvPr id="5" name="文本占位符 4">
             <a:extLst>
               <a:ext uri="{FF2B5EF4-FFF2-40B4-BE49-F238E27FC236}">
-                <a16:creationId xmlns:a16="http://schemas.microsoft.com/office/drawing/2014/main" id="{C01C4AE6-B62C-21B6-0E70-A072E150256B}"/>
+                <a16:creationId xmlns:a16="http://schemas.microsoft.com/office/drawing/2014/main" id="{E497D824-9BC2-20AD-2CC2-70A1D457A711}"/>
               </a:ext>
             </a:extLst>
           </p:cNvPr>
@@ -1730,7 +1730,7 @@
           <p:cNvPr id="6" name="内容占位符 5">
             <a:extLst>
               <a:ext uri="{FF2B5EF4-FFF2-40B4-BE49-F238E27FC236}">
-                <a16:creationId xmlns:a16="http://schemas.microsoft.com/office/drawing/2014/main" id="{B3EA341B-FC03-4006-938D-13C1B723544C}"/>
+                <a16:creationId xmlns:a16="http://schemas.microsoft.com/office/drawing/2014/main" id="{62B579D0-D957-5EFB-9BBB-1372604148F2}"/>
               </a:ext>
             </a:extLst>
           </p:cNvPr>
@@ -1792,7 +1792,7 @@
           <p:cNvPr id="7" name="日期占位符 6">
             <a:extLst>
               <a:ext uri="{FF2B5EF4-FFF2-40B4-BE49-F238E27FC236}">
-                <a16:creationId xmlns:a16="http://schemas.microsoft.com/office/drawing/2014/main" id="{9F52E85E-90CC-31B2-9604-EE1FB09115D5}"/>
+                <a16:creationId xmlns:a16="http://schemas.microsoft.com/office/drawing/2014/main" id="{C410E160-D89A-BF36-5708-D451F003EDD1}"/>
               </a:ext>
             </a:extLst>
           </p:cNvPr>
@@ -1808,7 +1808,7 @@
           <a:bodyPr/>
           <a:lstStyle/>
           <a:p>
-            <a:fld id="{AD1FCC52-C8D2-416E-A9AE-9C6F7BCD8A9E}" type="datetimeFigureOut">
+            <a:fld id="{332E3442-0E64-40BD-A37D-B14966DB6F89}" type="datetimeFigureOut">
               <a:rPr lang="zh-CN" altLang="en-US" smtClean="0"/>
               <a:t>2024/3/10</a:t>
             </a:fld>
@@ -1821,7 +1821,7 @@
           <p:cNvPr id="8" name="页脚占位符 7">
             <a:extLst>
               <a:ext uri="{FF2B5EF4-FFF2-40B4-BE49-F238E27FC236}">
-                <a16:creationId xmlns:a16="http://schemas.microsoft.com/office/drawing/2014/main" id="{8A5487B8-67BE-6F08-C3DB-1B2456819FF2}"/>
+                <a16:creationId xmlns:a16="http://schemas.microsoft.com/office/drawing/2014/main" id="{FA994894-8982-3D17-8476-86D3D011AC98}"/>
               </a:ext>
             </a:extLst>
           </p:cNvPr>
@@ -1846,7 +1846,7 @@
           <p:cNvPr id="9" name="灯片编号占位符 8">
             <a:extLst>
               <a:ext uri="{FF2B5EF4-FFF2-40B4-BE49-F238E27FC236}">
-                <a16:creationId xmlns:a16="http://schemas.microsoft.com/office/drawing/2014/main" id="{3A216695-D152-E2A1-D20E-7D797B341298}"/>
+                <a16:creationId xmlns:a16="http://schemas.microsoft.com/office/drawing/2014/main" id="{EB5889F3-AC5D-78F9-680A-E74B2BA811B0}"/>
               </a:ext>
             </a:extLst>
           </p:cNvPr>
@@ -1862,7 +1862,7 @@
           <a:bodyPr/>
           <a:lstStyle/>
           <a:p>
-            <a:fld id="{D2BD6611-0006-4B81-8DC6-416DA8E1FC54}" type="slidenum">
+            <a:fld id="{044636B6-305D-4CA5-9A37-9B7808AA0493}" type="slidenum">
               <a:rPr lang="zh-CN" altLang="en-US" smtClean="0"/>
               <a:t>‹#›</a:t>
             </a:fld>
@@ -1873,7 +1873,7 @@
     </p:spTree>
     <p:extLst>
       <p:ext uri="{BB962C8B-B14F-4D97-AF65-F5344CB8AC3E}">
-        <p14:creationId xmlns:p14="http://schemas.microsoft.com/office/powerpoint/2010/main" val="3908031614"/>
+        <p14:creationId xmlns:p14="http://schemas.microsoft.com/office/powerpoint/2010/main" val="3836053872"/>
       </p:ext>
     </p:extLst>
   </p:cSld>
@@ -1905,7 +1905,7 @@
           <p:cNvPr id="2" name="标题 1">
             <a:extLst>
               <a:ext uri="{FF2B5EF4-FFF2-40B4-BE49-F238E27FC236}">
-                <a16:creationId xmlns:a16="http://schemas.microsoft.com/office/drawing/2014/main" id="{2527A5FC-7F6C-463C-1D17-FDB65A74D1D0}"/>
+                <a16:creationId xmlns:a16="http://schemas.microsoft.com/office/drawing/2014/main" id="{13574252-06B6-5FDA-DC07-C16EC16D7A38}"/>
               </a:ext>
             </a:extLst>
           </p:cNvPr>
@@ -1933,7 +1933,7 @@
           <p:cNvPr id="3" name="日期占位符 2">
             <a:extLst>
               <a:ext uri="{FF2B5EF4-FFF2-40B4-BE49-F238E27FC236}">
-                <a16:creationId xmlns:a16="http://schemas.microsoft.com/office/drawing/2014/main" id="{D5A2F7C5-9690-3364-3296-EF1D8F410065}"/>
+                <a16:creationId xmlns:a16="http://schemas.microsoft.com/office/drawing/2014/main" id="{F268793E-BB84-604C-CFB1-C59CC991F118}"/>
               </a:ext>
             </a:extLst>
           </p:cNvPr>
@@ -1949,7 +1949,7 @@
           <a:bodyPr/>
           <a:lstStyle/>
           <a:p>
-            <a:fld id="{AD1FCC52-C8D2-416E-A9AE-9C6F7BCD8A9E}" type="datetimeFigureOut">
+            <a:fld id="{332E3442-0E64-40BD-A37D-B14966DB6F89}" type="datetimeFigureOut">
               <a:rPr lang="zh-CN" altLang="en-US" smtClean="0"/>
               <a:t>2024/3/10</a:t>
             </a:fld>
@@ -1962,7 +1962,7 @@
           <p:cNvPr id="4" name="页脚占位符 3">
             <a:extLst>
               <a:ext uri="{FF2B5EF4-FFF2-40B4-BE49-F238E27FC236}">
-                <a16:creationId xmlns:a16="http://schemas.microsoft.com/office/drawing/2014/main" id="{E3AE8455-BFE5-5B74-BBA7-025A60E37A33}"/>
+                <a16:creationId xmlns:a16="http://schemas.microsoft.com/office/drawing/2014/main" id="{968C0057-A34F-B110-C90C-8B57D4704511}"/>
               </a:ext>
             </a:extLst>
           </p:cNvPr>
@@ -1987,7 +1987,7 @@
           <p:cNvPr id="5" name="灯片编号占位符 4">
             <a:extLst>
               <a:ext uri="{FF2B5EF4-FFF2-40B4-BE49-F238E27FC236}">
-                <a16:creationId xmlns:a16="http://schemas.microsoft.com/office/drawing/2014/main" id="{590621C8-10DA-3FBD-D270-00472CEC1BBE}"/>
+                <a16:creationId xmlns:a16="http://schemas.microsoft.com/office/drawing/2014/main" id="{33B98C0A-D875-33D1-CB71-5A68A19B1036}"/>
               </a:ext>
             </a:extLst>
           </p:cNvPr>
@@ -2003,7 +2003,7 @@
           <a:bodyPr/>
           <a:lstStyle/>
           <a:p>
-            <a:fld id="{D2BD6611-0006-4B81-8DC6-416DA8E1FC54}" type="slidenum">
+            <a:fld id="{044636B6-305D-4CA5-9A37-9B7808AA0493}" type="slidenum">
               <a:rPr lang="zh-CN" altLang="en-US" smtClean="0"/>
               <a:t>‹#›</a:t>
             </a:fld>
@@ -2014,7 +2014,7 @@
     </p:spTree>
     <p:extLst>
       <p:ext uri="{BB962C8B-B14F-4D97-AF65-F5344CB8AC3E}">
-        <p14:creationId xmlns:p14="http://schemas.microsoft.com/office/powerpoint/2010/main" val="2806560026"/>
+        <p14:creationId xmlns:p14="http://schemas.microsoft.com/office/powerpoint/2010/main" val="3752735788"/>
       </p:ext>
     </p:extLst>
   </p:cSld>
@@ -2046,7 +2046,7 @@
           <p:cNvPr id="2" name="日期占位符 1">
             <a:extLst>
               <a:ext uri="{FF2B5EF4-FFF2-40B4-BE49-F238E27FC236}">
-                <a16:creationId xmlns:a16="http://schemas.microsoft.com/office/drawing/2014/main" id="{2859CBEA-89EE-3615-280B-2C2A6E490EB6}"/>
+                <a16:creationId xmlns:a16="http://schemas.microsoft.com/office/drawing/2014/main" id="{54E2EED7-1A9D-518A-8CC1-7AE683A594D6}"/>
               </a:ext>
             </a:extLst>
           </p:cNvPr>
@@ -2062,7 +2062,7 @@
           <a:bodyPr/>
           <a:lstStyle/>
           <a:p>
-            <a:fld id="{AD1FCC52-C8D2-416E-A9AE-9C6F7BCD8A9E}" type="datetimeFigureOut">
+            <a:fld id="{332E3442-0E64-40BD-A37D-B14966DB6F89}" type="datetimeFigureOut">
               <a:rPr lang="zh-CN" altLang="en-US" smtClean="0"/>
               <a:t>2024/3/10</a:t>
             </a:fld>
@@ -2075,7 +2075,7 @@
           <p:cNvPr id="3" name="页脚占位符 2">
             <a:extLst>
               <a:ext uri="{FF2B5EF4-FFF2-40B4-BE49-F238E27FC236}">
-                <a16:creationId xmlns:a16="http://schemas.microsoft.com/office/drawing/2014/main" id="{C1888714-A421-3D1D-5D0F-24C3CE1F5232}"/>
+                <a16:creationId xmlns:a16="http://schemas.microsoft.com/office/drawing/2014/main" id="{E211AA9D-3F07-D204-13BF-EB64B9F82A31}"/>
               </a:ext>
             </a:extLst>
           </p:cNvPr>
@@ -2100,7 +2100,7 @@
           <p:cNvPr id="4" name="灯片编号占位符 3">
             <a:extLst>
               <a:ext uri="{FF2B5EF4-FFF2-40B4-BE49-F238E27FC236}">
-                <a16:creationId xmlns:a16="http://schemas.microsoft.com/office/drawing/2014/main" id="{24FBAEAB-ECB9-55D2-911F-379570585A90}"/>
+                <a16:creationId xmlns:a16="http://schemas.microsoft.com/office/drawing/2014/main" id="{750D3B39-D710-1CFB-4609-2BA9FFFFC6F6}"/>
               </a:ext>
             </a:extLst>
           </p:cNvPr>
@@ -2116,7 +2116,7 @@
           <a:bodyPr/>
           <a:lstStyle/>
           <a:p>
-            <a:fld id="{D2BD6611-0006-4B81-8DC6-416DA8E1FC54}" type="slidenum">
+            <a:fld id="{044636B6-305D-4CA5-9A37-9B7808AA0493}" type="slidenum">
               <a:rPr lang="zh-CN" altLang="en-US" smtClean="0"/>
               <a:t>‹#›</a:t>
             </a:fld>
@@ -2127,7 +2127,7 @@
     </p:spTree>
     <p:extLst>
       <p:ext uri="{BB962C8B-B14F-4D97-AF65-F5344CB8AC3E}">
-        <p14:creationId xmlns:p14="http://schemas.microsoft.com/office/powerpoint/2010/main" val="4189606694"/>
+        <p14:creationId xmlns:p14="http://schemas.microsoft.com/office/powerpoint/2010/main" val="506244794"/>
       </p:ext>
     </p:extLst>
   </p:cSld>
@@ -2159,7 +2159,7 @@
           <p:cNvPr id="2" name="标题 1">
             <a:extLst>
               <a:ext uri="{FF2B5EF4-FFF2-40B4-BE49-F238E27FC236}">
-                <a16:creationId xmlns:a16="http://schemas.microsoft.com/office/drawing/2014/main" id="{FE35EB3D-99FC-FEE8-C2F7-CAFE400A42CE}"/>
+                <a16:creationId xmlns:a16="http://schemas.microsoft.com/office/drawing/2014/main" id="{3F327891-AAD6-2190-C260-F096130D1F2F}"/>
               </a:ext>
             </a:extLst>
           </p:cNvPr>
@@ -2196,7 +2196,7 @@
           <p:cNvPr id="3" name="内容占位符 2">
             <a:extLst>
               <a:ext uri="{FF2B5EF4-FFF2-40B4-BE49-F238E27FC236}">
-                <a16:creationId xmlns:a16="http://schemas.microsoft.com/office/drawing/2014/main" id="{BB578F50-5ED3-45A9-BCE4-1B3304B4D41E}"/>
+                <a16:creationId xmlns:a16="http://schemas.microsoft.com/office/drawing/2014/main" id="{15776804-28B5-E5AF-A309-CBEC90BCD692}"/>
               </a:ext>
             </a:extLst>
           </p:cNvPr>
@@ -2286,7 +2286,7 @@
           <p:cNvPr id="4" name="文本占位符 3">
             <a:extLst>
               <a:ext uri="{FF2B5EF4-FFF2-40B4-BE49-F238E27FC236}">
-                <a16:creationId xmlns:a16="http://schemas.microsoft.com/office/drawing/2014/main" id="{66CE863D-F577-FD75-2DF9-C2CC254338E1}"/>
+                <a16:creationId xmlns:a16="http://schemas.microsoft.com/office/drawing/2014/main" id="{0F4AF5AC-FB58-9021-C495-A39A133594AF}"/>
               </a:ext>
             </a:extLst>
           </p:cNvPr>
@@ -2357,7 +2357,7 @@
           <p:cNvPr id="5" name="日期占位符 4">
             <a:extLst>
               <a:ext uri="{FF2B5EF4-FFF2-40B4-BE49-F238E27FC236}">
-                <a16:creationId xmlns:a16="http://schemas.microsoft.com/office/drawing/2014/main" id="{93978670-7964-B4A9-C5DB-42CB4F948D7C}"/>
+                <a16:creationId xmlns:a16="http://schemas.microsoft.com/office/drawing/2014/main" id="{31901ED1-37B8-3270-976A-D5AE21BC615A}"/>
               </a:ext>
             </a:extLst>
           </p:cNvPr>
@@ -2373,7 +2373,7 @@
           <a:bodyPr/>
           <a:lstStyle/>
           <a:p>
-            <a:fld id="{AD1FCC52-C8D2-416E-A9AE-9C6F7BCD8A9E}" type="datetimeFigureOut">
+            <a:fld id="{332E3442-0E64-40BD-A37D-B14966DB6F89}" type="datetimeFigureOut">
               <a:rPr lang="zh-CN" altLang="en-US" smtClean="0"/>
               <a:t>2024/3/10</a:t>
             </a:fld>
@@ -2386,7 +2386,7 @@
           <p:cNvPr id="6" name="页脚占位符 5">
             <a:extLst>
               <a:ext uri="{FF2B5EF4-FFF2-40B4-BE49-F238E27FC236}">
-                <a16:creationId xmlns:a16="http://schemas.microsoft.com/office/drawing/2014/main" id="{25391E55-67F4-E078-BA75-3F8AC357FE9F}"/>
+                <a16:creationId xmlns:a16="http://schemas.microsoft.com/office/drawing/2014/main" id="{4BE6FB95-2825-65EB-6C59-ADC1E7E48FB4}"/>
               </a:ext>
             </a:extLst>
           </p:cNvPr>
@@ -2411,7 +2411,7 @@
           <p:cNvPr id="7" name="灯片编号占位符 6">
             <a:extLst>
               <a:ext uri="{FF2B5EF4-FFF2-40B4-BE49-F238E27FC236}">
-                <a16:creationId xmlns:a16="http://schemas.microsoft.com/office/drawing/2014/main" id="{28ED99D2-BF28-4AC9-FBCD-1F86B86C16A8}"/>
+                <a16:creationId xmlns:a16="http://schemas.microsoft.com/office/drawing/2014/main" id="{BF6351E6-FEE4-86FB-9ACB-0A8DCB6706C2}"/>
               </a:ext>
             </a:extLst>
           </p:cNvPr>
@@ -2427,7 +2427,7 @@
           <a:bodyPr/>
           <a:lstStyle/>
           <a:p>
-            <a:fld id="{D2BD6611-0006-4B81-8DC6-416DA8E1FC54}" type="slidenum">
+            <a:fld id="{044636B6-305D-4CA5-9A37-9B7808AA0493}" type="slidenum">
               <a:rPr lang="zh-CN" altLang="en-US" smtClean="0"/>
               <a:t>‹#›</a:t>
             </a:fld>
@@ -2438,7 +2438,7 @@
     </p:spTree>
     <p:extLst>
       <p:ext uri="{BB962C8B-B14F-4D97-AF65-F5344CB8AC3E}">
-        <p14:creationId xmlns:p14="http://schemas.microsoft.com/office/powerpoint/2010/main" val="2947867709"/>
+        <p14:creationId xmlns:p14="http://schemas.microsoft.com/office/powerpoint/2010/main" val="1037005628"/>
       </p:ext>
     </p:extLst>
   </p:cSld>
@@ -2470,7 +2470,7 @@
           <p:cNvPr id="2" name="标题 1">
             <a:extLst>
               <a:ext uri="{FF2B5EF4-FFF2-40B4-BE49-F238E27FC236}">
-                <a16:creationId xmlns:a16="http://schemas.microsoft.com/office/drawing/2014/main" id="{B98776F5-A92F-A784-B9D0-3B540B349808}"/>
+                <a16:creationId xmlns:a16="http://schemas.microsoft.com/office/drawing/2014/main" id="{E142E015-2862-ED37-5420-FE43A3CE7494}"/>
               </a:ext>
             </a:extLst>
           </p:cNvPr>
@@ -2507,7 +2507,7 @@
           <p:cNvPr id="3" name="图片占位符 2">
             <a:extLst>
               <a:ext uri="{FF2B5EF4-FFF2-40B4-BE49-F238E27FC236}">
-                <a16:creationId xmlns:a16="http://schemas.microsoft.com/office/drawing/2014/main" id="{3E706FC2-79F8-F404-E6CF-84A92441FA93}"/>
+                <a16:creationId xmlns:a16="http://schemas.microsoft.com/office/drawing/2014/main" id="{BC711584-1ED6-2654-503C-D749182C21AE}"/>
               </a:ext>
             </a:extLst>
           </p:cNvPr>
@@ -2574,7 +2574,7 @@
           <p:cNvPr id="4" name="文本占位符 3">
             <a:extLst>
               <a:ext uri="{FF2B5EF4-FFF2-40B4-BE49-F238E27FC236}">
-                <a16:creationId xmlns:a16="http://schemas.microsoft.com/office/drawing/2014/main" id="{651B4D70-903F-0817-EF8A-B94604123E97}"/>
+                <a16:creationId xmlns:a16="http://schemas.microsoft.com/office/drawing/2014/main" id="{C920BAC4-1BC9-B021-FF12-9612CD6F87A7}"/>
               </a:ext>
             </a:extLst>
           </p:cNvPr>
@@ -2645,7 +2645,7 @@
           <p:cNvPr id="5" name="日期占位符 4">
             <a:extLst>
               <a:ext uri="{FF2B5EF4-FFF2-40B4-BE49-F238E27FC236}">
-                <a16:creationId xmlns:a16="http://schemas.microsoft.com/office/drawing/2014/main" id="{47C431D8-BBF8-8FE8-CA4D-32C0EBA22943}"/>
+                <a16:creationId xmlns:a16="http://schemas.microsoft.com/office/drawing/2014/main" id="{036FD909-B213-7BBE-0D20-BC7D81B90824}"/>
               </a:ext>
             </a:extLst>
           </p:cNvPr>
@@ -2661,7 +2661,7 @@
           <a:bodyPr/>
           <a:lstStyle/>
           <a:p>
-            <a:fld id="{AD1FCC52-C8D2-416E-A9AE-9C6F7BCD8A9E}" type="datetimeFigureOut">
+            <a:fld id="{332E3442-0E64-40BD-A37D-B14966DB6F89}" type="datetimeFigureOut">
               <a:rPr lang="zh-CN" altLang="en-US" smtClean="0"/>
               <a:t>2024/3/10</a:t>
             </a:fld>
@@ -2674,7 +2674,7 @@
           <p:cNvPr id="6" name="页脚占位符 5">
             <a:extLst>
               <a:ext uri="{FF2B5EF4-FFF2-40B4-BE49-F238E27FC236}">
-                <a16:creationId xmlns:a16="http://schemas.microsoft.com/office/drawing/2014/main" id="{326E7324-02D9-87BB-44EC-C8B9D4B28B3C}"/>
+                <a16:creationId xmlns:a16="http://schemas.microsoft.com/office/drawing/2014/main" id="{0054558F-A6E2-ABB9-4FC8-B518F12B6EED}"/>
               </a:ext>
             </a:extLst>
           </p:cNvPr>
@@ -2699,7 +2699,7 @@
           <p:cNvPr id="7" name="灯片编号占位符 6">
             <a:extLst>
               <a:ext uri="{FF2B5EF4-FFF2-40B4-BE49-F238E27FC236}">
-                <a16:creationId xmlns:a16="http://schemas.microsoft.com/office/drawing/2014/main" id="{DEB8B59B-9091-AF82-F49E-D9EF1DB6FE5B}"/>
+                <a16:creationId xmlns:a16="http://schemas.microsoft.com/office/drawing/2014/main" id="{8138ABFB-F3CE-1883-5191-BE78E955632C}"/>
               </a:ext>
             </a:extLst>
           </p:cNvPr>
@@ -2715,7 +2715,7 @@
           <a:bodyPr/>
           <a:lstStyle/>
           <a:p>
-            <a:fld id="{D2BD6611-0006-4B81-8DC6-416DA8E1FC54}" type="slidenum">
+            <a:fld id="{044636B6-305D-4CA5-9A37-9B7808AA0493}" type="slidenum">
               <a:rPr lang="zh-CN" altLang="en-US" smtClean="0"/>
               <a:t>‹#›</a:t>
             </a:fld>
@@ -2726,7 +2726,7 @@
     </p:spTree>
     <p:extLst>
       <p:ext uri="{BB962C8B-B14F-4D97-AF65-F5344CB8AC3E}">
-        <p14:creationId xmlns:p14="http://schemas.microsoft.com/office/powerpoint/2010/main" val="3697997693"/>
+        <p14:creationId xmlns:p14="http://schemas.microsoft.com/office/powerpoint/2010/main" val="610211874"/>
       </p:ext>
     </p:extLst>
   </p:cSld>
@@ -2763,7 +2763,7 @@
           <p:cNvPr id="2" name="标题占位符 1">
             <a:extLst>
               <a:ext uri="{FF2B5EF4-FFF2-40B4-BE49-F238E27FC236}">
-                <a16:creationId xmlns:a16="http://schemas.microsoft.com/office/drawing/2014/main" id="{8A619B92-7CD1-351F-74A7-FFCF2A676A0C}"/>
+                <a16:creationId xmlns:a16="http://schemas.microsoft.com/office/drawing/2014/main" id="{3ACF7AB0-D049-EC9E-134F-48805C0AA76E}"/>
               </a:ext>
             </a:extLst>
           </p:cNvPr>
@@ -2801,7 +2801,7 @@
           <p:cNvPr id="3" name="文本占位符 2">
             <a:extLst>
               <a:ext uri="{FF2B5EF4-FFF2-40B4-BE49-F238E27FC236}">
-                <a16:creationId xmlns:a16="http://schemas.microsoft.com/office/drawing/2014/main" id="{9DFEAD8B-92FD-0088-9D37-D4FBE5FC4AF7}"/>
+                <a16:creationId xmlns:a16="http://schemas.microsoft.com/office/drawing/2014/main" id="{FED5C41F-10CB-C61F-706F-F96E7309D02A}"/>
               </a:ext>
             </a:extLst>
           </p:cNvPr>
@@ -2868,7 +2868,7 @@
           <p:cNvPr id="4" name="日期占位符 3">
             <a:extLst>
               <a:ext uri="{FF2B5EF4-FFF2-40B4-BE49-F238E27FC236}">
-                <a16:creationId xmlns:a16="http://schemas.microsoft.com/office/drawing/2014/main" id="{E75630E7-8072-78E6-376C-DAEA16B061CF}"/>
+                <a16:creationId xmlns:a16="http://schemas.microsoft.com/office/drawing/2014/main" id="{5586A8ED-2CB4-F3B4-9392-CA4CADD7E979}"/>
               </a:ext>
             </a:extLst>
           </p:cNvPr>
@@ -2902,7 +2902,7 @@
             </a:lvl1pPr>
           </a:lstStyle>
           <a:p>
-            <a:fld id="{AD1FCC52-C8D2-416E-A9AE-9C6F7BCD8A9E}" type="datetimeFigureOut">
+            <a:fld id="{332E3442-0E64-40BD-A37D-B14966DB6F89}" type="datetimeFigureOut">
               <a:rPr lang="zh-CN" altLang="en-US" smtClean="0"/>
               <a:t>2024/3/10</a:t>
             </a:fld>
@@ -2915,7 +2915,7 @@
           <p:cNvPr id="5" name="页脚占位符 4">
             <a:extLst>
               <a:ext uri="{FF2B5EF4-FFF2-40B4-BE49-F238E27FC236}">
-                <a16:creationId xmlns:a16="http://schemas.microsoft.com/office/drawing/2014/main" id="{5426FE64-3C30-8CAE-5E04-2FC057C804C2}"/>
+                <a16:creationId xmlns:a16="http://schemas.microsoft.com/office/drawing/2014/main" id="{B9809E68-5955-A0CB-BFFF-F0083AAE3513}"/>
               </a:ext>
             </a:extLst>
           </p:cNvPr>
@@ -2958,7 +2958,7 @@
           <p:cNvPr id="6" name="灯片编号占位符 5">
             <a:extLst>
               <a:ext uri="{FF2B5EF4-FFF2-40B4-BE49-F238E27FC236}">
-                <a16:creationId xmlns:a16="http://schemas.microsoft.com/office/drawing/2014/main" id="{3A023C79-008C-C67A-B1D6-9A069F56E070}"/>
+                <a16:creationId xmlns:a16="http://schemas.microsoft.com/office/drawing/2014/main" id="{7AD0D4C7-C309-0E99-E7AF-C844BEDE573C}"/>
               </a:ext>
             </a:extLst>
           </p:cNvPr>
@@ -2992,7 +2992,7 @@
             </a:lvl1pPr>
           </a:lstStyle>
           <a:p>
-            <a:fld id="{D2BD6611-0006-4B81-8DC6-416DA8E1FC54}" type="slidenum">
+            <a:fld id="{044636B6-305D-4CA5-9A37-9B7808AA0493}" type="slidenum">
               <a:rPr lang="zh-CN" altLang="en-US" smtClean="0"/>
               <a:t>‹#›</a:t>
             </a:fld>
@@ -3003,7 +3003,7 @@
     </p:spTree>
     <p:extLst>
       <p:ext uri="{BB962C8B-B14F-4D97-AF65-F5344CB8AC3E}">
-        <p14:creationId xmlns:p14="http://schemas.microsoft.com/office/powerpoint/2010/main" val="1871344674"/>
+        <p14:creationId xmlns:p14="http://schemas.microsoft.com/office/powerpoint/2010/main" val="3696126426"/>
       </p:ext>
     </p:extLst>
   </p:cSld>
